--- a/Phenogrouping patients with atrial fibrillation undergoing catheter ablation.pptx
+++ b/Phenogrouping patients with atrial fibrillation undergoing catheter ablation.pptx
@@ -5,7 +5,7 @@
     <p:sldMasterId id="2147483648" r:id="rId1"/>
   </p:sldMasterIdLst>
   <p:notesMasterIdLst>
-    <p:notesMasterId r:id="rId8"/>
+    <p:notesMasterId r:id="rId11"/>
   </p:notesMasterIdLst>
   <p:sldIdLst>
     <p:sldId id="256" r:id="rId2"/>
@@ -13,7 +13,10 @@
     <p:sldId id="258" r:id="rId4"/>
     <p:sldId id="259" r:id="rId5"/>
     <p:sldId id="260" r:id="rId6"/>
-    <p:sldId id="261" r:id="rId7"/>
+    <p:sldId id="263" r:id="rId7"/>
+    <p:sldId id="264" r:id="rId8"/>
+    <p:sldId id="262" r:id="rId9"/>
+    <p:sldId id="265" r:id="rId10"/>
   </p:sldIdLst>
   <p:sldSz cx="12192000" cy="6858000"/>
   <p:notesSz cx="6858000" cy="9144000"/>
@@ -123,7 +126,7 @@
 <file path=ppt/revisionInfo.xml><?xml version="1.0" encoding="utf-8"?>
 <p1510:revInfo xmlns:a="http://schemas.openxmlformats.org/drawingml/2006/main" xmlns:r="http://schemas.openxmlformats.org/officeDocument/2006/relationships" xmlns:p1510="http://schemas.microsoft.com/office/powerpoint/2015/10/main">
   <p1510:revLst>
-    <p1510:client id="{CE637794-0EAA-4BE0-84FA-DF7C00E9EF13}" v="12" dt="2023-06-06T09:23:56.670"/>
+    <p1510:client id="{CE637794-0EAA-4BE0-84FA-DF7C00E9EF13}" v="24" dt="2023-07-05T05:50:56.779"/>
   </p1510:revLst>
 </p1510:revInfo>
 </file>
@@ -132,19 +135,19 @@
 <pc:chgInfo xmlns:a="http://schemas.openxmlformats.org/drawingml/2006/main" xmlns:r="http://schemas.openxmlformats.org/officeDocument/2006/relationships" xmlns:ac="http://schemas.microsoft.com/office/drawing/2013/main/command" xmlns:pc="http://schemas.microsoft.com/office/powerpoint/2013/main/command">
   <pc:docChgLst>
     <pc:chgData name="Omar Eweis" userId="419ef56f67249f63" providerId="LiveId" clId="{CE637794-0EAA-4BE0-84FA-DF7C00E9EF13}"/>
-    <pc:docChg chg="custSel modSld">
-      <pc:chgData name="Omar Eweis" userId="419ef56f67249f63" providerId="LiveId" clId="{CE637794-0EAA-4BE0-84FA-DF7C00E9EF13}" dt="2023-06-06T09:25:06.932" v="113" actId="1036"/>
+    <pc:docChg chg="undo redo custSel addSld delSld modSld">
+      <pc:chgData name="Omar Eweis" userId="419ef56f67249f63" providerId="LiveId" clId="{CE637794-0EAA-4BE0-84FA-DF7C00E9EF13}" dt="2023-07-05T10:39:24.065" v="1691" actId="680"/>
       <pc:docMkLst>
         <pc:docMk/>
       </pc:docMkLst>
       <pc:sldChg chg="modSp mod">
-        <pc:chgData name="Omar Eweis" userId="419ef56f67249f63" providerId="LiveId" clId="{CE637794-0EAA-4BE0-84FA-DF7C00E9EF13}" dt="2023-06-06T05:09:19.591" v="101" actId="113"/>
+        <pc:chgData name="Omar Eweis" userId="419ef56f67249f63" providerId="LiveId" clId="{CE637794-0EAA-4BE0-84FA-DF7C00E9EF13}" dt="2023-07-04T18:29:54.440" v="125" actId="20577"/>
         <pc:sldMkLst>
           <pc:docMk/>
           <pc:sldMk cId="2119332256" sldId="257"/>
         </pc:sldMkLst>
         <pc:spChg chg="mod">
-          <ac:chgData name="Omar Eweis" userId="419ef56f67249f63" providerId="LiveId" clId="{CE637794-0EAA-4BE0-84FA-DF7C00E9EF13}" dt="2023-06-06T05:09:19.591" v="101" actId="113"/>
+          <ac:chgData name="Omar Eweis" userId="419ef56f67249f63" providerId="LiveId" clId="{CE637794-0EAA-4BE0-84FA-DF7C00E9EF13}" dt="2023-07-04T18:29:54.440" v="125" actId="20577"/>
           <ac:spMkLst>
             <pc:docMk/>
             <pc:sldMk cId="2119332256" sldId="257"/>
@@ -181,6 +184,232 @@
             <ac:spMk id="3" creationId="{961B4ABB-70E6-1D84-DCE2-9BC56B89C30C}"/>
           </ac:spMkLst>
         </pc:spChg>
+      </pc:sldChg>
+      <pc:sldChg chg="del">
+        <pc:chgData name="Omar Eweis" userId="419ef56f67249f63" providerId="LiveId" clId="{CE637794-0EAA-4BE0-84FA-DF7C00E9EF13}" dt="2023-07-04T19:17:23.796" v="1574" actId="2696"/>
+        <pc:sldMkLst>
+          <pc:docMk/>
+          <pc:sldMk cId="909441715" sldId="261"/>
+        </pc:sldMkLst>
+      </pc:sldChg>
+      <pc:sldChg chg="modSp new mod">
+        <pc:chgData name="Omar Eweis" userId="419ef56f67249f63" providerId="LiveId" clId="{CE637794-0EAA-4BE0-84FA-DF7C00E9EF13}" dt="2023-07-05T05:51:26.499" v="1690" actId="20577"/>
+        <pc:sldMkLst>
+          <pc:docMk/>
+          <pc:sldMk cId="530135933" sldId="262"/>
+        </pc:sldMkLst>
+        <pc:spChg chg="mod">
+          <ac:chgData name="Omar Eweis" userId="419ef56f67249f63" providerId="LiveId" clId="{CE637794-0EAA-4BE0-84FA-DF7C00E9EF13}" dt="2023-07-04T19:09:15.255" v="1186" actId="20577"/>
+          <ac:spMkLst>
+            <pc:docMk/>
+            <pc:sldMk cId="530135933" sldId="262"/>
+            <ac:spMk id="2" creationId="{A0FA2FDD-5BFE-E27E-70C4-3079BE65822E}"/>
+          </ac:spMkLst>
+        </pc:spChg>
+        <pc:spChg chg="mod">
+          <ac:chgData name="Omar Eweis" userId="419ef56f67249f63" providerId="LiveId" clId="{CE637794-0EAA-4BE0-84FA-DF7C00E9EF13}" dt="2023-07-05T05:51:26.499" v="1690" actId="20577"/>
+          <ac:spMkLst>
+            <pc:docMk/>
+            <pc:sldMk cId="530135933" sldId="262"/>
+            <ac:spMk id="3" creationId="{F0E87273-2C44-5EFF-36B5-DDE3A0B67061}"/>
+          </ac:spMkLst>
+        </pc:spChg>
+      </pc:sldChg>
+      <pc:sldChg chg="addSp delSp modSp new mod">
+        <pc:chgData name="Omar Eweis" userId="419ef56f67249f63" providerId="LiveId" clId="{CE637794-0EAA-4BE0-84FA-DF7C00E9EF13}" dt="2023-07-04T18:49:09.046" v="557" actId="313"/>
+        <pc:sldMkLst>
+          <pc:docMk/>
+          <pc:sldMk cId="372905623" sldId="263"/>
+        </pc:sldMkLst>
+        <pc:spChg chg="mod">
+          <ac:chgData name="Omar Eweis" userId="419ef56f67249f63" providerId="LiveId" clId="{CE637794-0EAA-4BE0-84FA-DF7C00E9EF13}" dt="2023-07-04T18:37:22.038" v="206" actId="20577"/>
+          <ac:spMkLst>
+            <pc:docMk/>
+            <pc:sldMk cId="372905623" sldId="263"/>
+            <ac:spMk id="2" creationId="{C9164F37-F65C-D5B0-5F59-F37F62D8E7A5}"/>
+          </ac:spMkLst>
+        </pc:spChg>
+        <pc:spChg chg="del">
+          <ac:chgData name="Omar Eweis" userId="419ef56f67249f63" providerId="LiveId" clId="{CE637794-0EAA-4BE0-84FA-DF7C00E9EF13}" dt="2023-07-04T18:39:26.085" v="207" actId="478"/>
+          <ac:spMkLst>
+            <pc:docMk/>
+            <pc:sldMk cId="372905623" sldId="263"/>
+            <ac:spMk id="3" creationId="{E077ABF3-8A48-7B73-36AB-0B888CEFFA96}"/>
+          </ac:spMkLst>
+        </pc:spChg>
+        <pc:spChg chg="add mod">
+          <ac:chgData name="Omar Eweis" userId="419ef56f67249f63" providerId="LiveId" clId="{CE637794-0EAA-4BE0-84FA-DF7C00E9EF13}" dt="2023-07-04T18:49:09.046" v="557" actId="313"/>
+          <ac:spMkLst>
+            <pc:docMk/>
+            <pc:sldMk cId="372905623" sldId="263"/>
+            <ac:spMk id="4" creationId="{6A54DF19-344B-41D0-418A-272B2CD05378}"/>
+          </ac:spMkLst>
+        </pc:spChg>
+        <pc:picChg chg="add mod">
+          <ac:chgData name="Omar Eweis" userId="419ef56f67249f63" providerId="LiveId" clId="{CE637794-0EAA-4BE0-84FA-DF7C00E9EF13}" dt="2023-07-04T18:43:26.176" v="212" actId="1076"/>
+          <ac:picMkLst>
+            <pc:docMk/>
+            <pc:sldMk cId="372905623" sldId="263"/>
+            <ac:picMk id="1026" creationId="{82EBF12A-A2D0-9C02-42A4-CCAFB3D78147}"/>
+          </ac:picMkLst>
+        </pc:picChg>
+      </pc:sldChg>
+      <pc:sldChg chg="addSp delSp modSp new mod setBg">
+        <pc:chgData name="Omar Eweis" userId="419ef56f67249f63" providerId="LiveId" clId="{CE637794-0EAA-4BE0-84FA-DF7C00E9EF13}" dt="2023-07-05T05:32:03.499" v="1581" actId="1076"/>
+        <pc:sldMkLst>
+          <pc:docMk/>
+          <pc:sldMk cId="2577193962" sldId="264"/>
+        </pc:sldMkLst>
+        <pc:spChg chg="mod">
+          <ac:chgData name="Omar Eweis" userId="419ef56f67249f63" providerId="LiveId" clId="{CE637794-0EAA-4BE0-84FA-DF7C00E9EF13}" dt="2023-07-04T19:01:05.167" v="946" actId="26606"/>
+          <ac:spMkLst>
+            <pc:docMk/>
+            <pc:sldMk cId="2577193962" sldId="264"/>
+            <ac:spMk id="2" creationId="{A912C43E-F375-F4A0-CDAC-8DCE4123510A}"/>
+          </ac:spMkLst>
+        </pc:spChg>
+        <pc:spChg chg="mod">
+          <ac:chgData name="Omar Eweis" userId="419ef56f67249f63" providerId="LiveId" clId="{CE637794-0EAA-4BE0-84FA-DF7C00E9EF13}" dt="2023-07-04T19:08:24.922" v="1056" actId="20577"/>
+          <ac:spMkLst>
+            <pc:docMk/>
+            <pc:sldMk cId="2577193962" sldId="264"/>
+            <ac:spMk id="3" creationId="{0C355793-6E46-4FAD-EC36-3171DFACE93C}"/>
+          </ac:spMkLst>
+        </pc:spChg>
+        <pc:spChg chg="add del">
+          <ac:chgData name="Omar Eweis" userId="419ef56f67249f63" providerId="LiveId" clId="{CE637794-0EAA-4BE0-84FA-DF7C00E9EF13}" dt="2023-07-04T19:00:45.714" v="940" actId="26606"/>
+          <ac:spMkLst>
+            <pc:docMk/>
+            <pc:sldMk cId="2577193962" sldId="264"/>
+            <ac:spMk id="8" creationId="{100EDD19-6802-4EC3-95CE-CFFAB042CFD6}"/>
+          </ac:spMkLst>
+        </pc:spChg>
+        <pc:spChg chg="add del">
+          <ac:chgData name="Omar Eweis" userId="419ef56f67249f63" providerId="LiveId" clId="{CE637794-0EAA-4BE0-84FA-DF7C00E9EF13}" dt="2023-07-04T19:00:33.960" v="938" actId="26606"/>
+          <ac:spMkLst>
+            <pc:docMk/>
+            <pc:sldMk cId="2577193962" sldId="264"/>
+            <ac:spMk id="9" creationId="{2C61293E-6EBE-43EF-A52C-9BEBFD7679D4}"/>
+          </ac:spMkLst>
+        </pc:spChg>
+        <pc:spChg chg="add del">
+          <ac:chgData name="Omar Eweis" userId="419ef56f67249f63" providerId="LiveId" clId="{CE637794-0EAA-4BE0-84FA-DF7C00E9EF13}" dt="2023-07-04T19:00:45.714" v="940" actId="26606"/>
+          <ac:spMkLst>
+            <pc:docMk/>
+            <pc:sldMk cId="2577193962" sldId="264"/>
+            <ac:spMk id="10" creationId="{DB17E863-922E-4C26-BD64-E8FD41D28661}"/>
+          </ac:spMkLst>
+        </pc:spChg>
+        <pc:spChg chg="add del">
+          <ac:chgData name="Omar Eweis" userId="419ef56f67249f63" providerId="LiveId" clId="{CE637794-0EAA-4BE0-84FA-DF7C00E9EF13}" dt="2023-07-04T19:00:33.960" v="938" actId="26606"/>
+          <ac:spMkLst>
+            <pc:docMk/>
+            <pc:sldMk cId="2577193962" sldId="264"/>
+            <ac:spMk id="11" creationId="{21540236-BFD5-4A9D-8840-4703E7F76825}"/>
+          </ac:spMkLst>
+        </pc:spChg>
+        <pc:spChg chg="add del">
+          <ac:chgData name="Omar Eweis" userId="419ef56f67249f63" providerId="LiveId" clId="{CE637794-0EAA-4BE0-84FA-DF7C00E9EF13}" dt="2023-07-04T19:01:05.167" v="946" actId="26606"/>
+          <ac:spMkLst>
+            <pc:docMk/>
+            <pc:sldMk cId="2577193962" sldId="264"/>
+            <ac:spMk id="12" creationId="{2C61293E-6EBE-43EF-A52C-9BEBFD7679D4}"/>
+          </ac:spMkLst>
+        </pc:spChg>
+        <pc:spChg chg="add del">
+          <ac:chgData name="Omar Eweis" userId="419ef56f67249f63" providerId="LiveId" clId="{CE637794-0EAA-4BE0-84FA-DF7C00E9EF13}" dt="2023-07-04T19:01:05.167" v="946" actId="26606"/>
+          <ac:spMkLst>
+            <pc:docMk/>
+            <pc:sldMk cId="2577193962" sldId="264"/>
+            <ac:spMk id="14" creationId="{3FCFB1DE-0B7E-48CC-BA90-B2AB0889F9D6}"/>
+          </ac:spMkLst>
+        </pc:spChg>
+        <pc:picChg chg="add del">
+          <ac:chgData name="Omar Eweis" userId="419ef56f67249f63" providerId="LiveId" clId="{CE637794-0EAA-4BE0-84FA-DF7C00E9EF13}" dt="2023-07-04T19:00:33.960" v="938" actId="26606"/>
+          <ac:picMkLst>
+            <pc:docMk/>
+            <pc:sldMk cId="2577193962" sldId="264"/>
+            <ac:picMk id="5" creationId="{2B550765-04D9-1AD7-222A-19EE6FB8685C}"/>
+          </ac:picMkLst>
+        </pc:picChg>
+        <pc:picChg chg="add mod">
+          <ac:chgData name="Omar Eweis" userId="419ef56f67249f63" providerId="LiveId" clId="{CE637794-0EAA-4BE0-84FA-DF7C00E9EF13}" dt="2023-07-04T19:17:13.479" v="1573" actId="14100"/>
+          <ac:picMkLst>
+            <pc:docMk/>
+            <pc:sldMk cId="2577193962" sldId="264"/>
+            <ac:picMk id="6" creationId="{135B4F60-8F8A-BF15-DA75-385A0F50A4DA}"/>
+          </ac:picMkLst>
+        </pc:picChg>
+        <pc:picChg chg="add del">
+          <ac:chgData name="Omar Eweis" userId="419ef56f67249f63" providerId="LiveId" clId="{CE637794-0EAA-4BE0-84FA-DF7C00E9EF13}" dt="2023-07-04T19:01:05.167" v="946" actId="26606"/>
+          <ac:picMkLst>
+            <pc:docMk/>
+            <pc:sldMk cId="2577193962" sldId="264"/>
+            <ac:picMk id="13" creationId="{97B858B7-A2DC-3626-2FCD-03028FA78C71}"/>
+          </ac:picMkLst>
+        </pc:picChg>
+        <pc:picChg chg="add del">
+          <ac:chgData name="Omar Eweis" userId="419ef56f67249f63" providerId="LiveId" clId="{CE637794-0EAA-4BE0-84FA-DF7C00E9EF13}" dt="2023-07-05T05:31:43.599" v="1576" actId="478"/>
+          <ac:picMkLst>
+            <pc:docMk/>
+            <pc:sldMk cId="2577193962" sldId="264"/>
+            <ac:picMk id="15" creationId="{0BF5D042-600B-7629-46D4-7FD838DD23E9}"/>
+          </ac:picMkLst>
+        </pc:picChg>
+        <pc:picChg chg="add mod">
+          <ac:chgData name="Omar Eweis" userId="419ef56f67249f63" providerId="LiveId" clId="{CE637794-0EAA-4BE0-84FA-DF7C00E9EF13}" dt="2023-07-05T05:32:03.499" v="1581" actId="1076"/>
+          <ac:picMkLst>
+            <pc:docMk/>
+            <pc:sldMk cId="2577193962" sldId="264"/>
+            <ac:picMk id="2050" creationId="{52B697BF-2FF8-1E7F-E4B2-A3D7812DAA20}"/>
+          </ac:picMkLst>
+        </pc:picChg>
+      </pc:sldChg>
+      <pc:sldChg chg="addSp delSp modSp new del mod">
+        <pc:chgData name="Omar Eweis" userId="419ef56f67249f63" providerId="LiveId" clId="{CE637794-0EAA-4BE0-84FA-DF7C00E9EF13}" dt="2023-07-05T05:51:19.761" v="1686" actId="2696"/>
+        <pc:sldMkLst>
+          <pc:docMk/>
+          <pc:sldMk cId="2003127770" sldId="265"/>
+        </pc:sldMkLst>
+        <pc:spChg chg="del mod">
+          <ac:chgData name="Omar Eweis" userId="419ef56f67249f63" providerId="LiveId" clId="{CE637794-0EAA-4BE0-84FA-DF7C00E9EF13}" dt="2023-07-05T05:51:15.126" v="1685" actId="478"/>
+          <ac:spMkLst>
+            <pc:docMk/>
+            <pc:sldMk cId="2003127770" sldId="265"/>
+            <ac:spMk id="2" creationId="{745D7553-3379-B7E5-DDE7-EF11E25DEDBA}"/>
+          </ac:spMkLst>
+        </pc:spChg>
+        <pc:spChg chg="del">
+          <ac:chgData name="Omar Eweis" userId="419ef56f67249f63" providerId="LiveId" clId="{CE637794-0EAA-4BE0-84FA-DF7C00E9EF13}" dt="2023-07-05T05:50:41.621" v="1639" actId="478"/>
+          <ac:spMkLst>
+            <pc:docMk/>
+            <pc:sldMk cId="2003127770" sldId="265"/>
+            <ac:spMk id="3" creationId="{3C904B7D-1681-2A42-20F7-34A669741A63}"/>
+          </ac:spMkLst>
+        </pc:spChg>
+        <pc:spChg chg="add mod">
+          <ac:chgData name="Omar Eweis" userId="419ef56f67249f63" providerId="LiveId" clId="{CE637794-0EAA-4BE0-84FA-DF7C00E9EF13}" dt="2023-07-05T05:51:10.789" v="1684" actId="20577"/>
+          <ac:spMkLst>
+            <pc:docMk/>
+            <pc:sldMk cId="2003127770" sldId="265"/>
+            <ac:spMk id="4" creationId="{71544244-2BF2-B623-2575-BCA6E3A101E2}"/>
+          </ac:spMkLst>
+        </pc:spChg>
+        <pc:spChg chg="add mod">
+          <ac:chgData name="Omar Eweis" userId="419ef56f67249f63" providerId="LiveId" clId="{CE637794-0EAA-4BE0-84FA-DF7C00E9EF13}" dt="2023-07-05T05:51:15.126" v="1685" actId="478"/>
+          <ac:spMkLst>
+            <pc:docMk/>
+            <pc:sldMk cId="2003127770" sldId="265"/>
+            <ac:spMk id="6" creationId="{27770356-C710-D7A8-6D8F-B3123E006997}"/>
+          </ac:spMkLst>
+        </pc:spChg>
+      </pc:sldChg>
+      <pc:sldChg chg="new">
+        <pc:chgData name="Omar Eweis" userId="419ef56f67249f63" providerId="LiveId" clId="{CE637794-0EAA-4BE0-84FA-DF7C00E9EF13}" dt="2023-07-05T10:39:24.065" v="1691" actId="680"/>
+        <pc:sldMkLst>
+          <pc:docMk/>
+          <pc:sldMk cId="3617349508" sldId="265"/>
+        </pc:sldMkLst>
       </pc:sldChg>
     </pc:docChg>
   </pc:docChgLst>
@@ -6176,7 +6405,7 @@
           <a:p>
             <a:fld id="{DE34ADCB-CFF6-4681-8275-592C7215993B}" type="datetimeFigureOut">
               <a:rPr lang="en-GB" smtClean="0"/>
-              <a:t>06/06/2023</a:t>
+              <a:t>04/07/2023</a:t>
             </a:fld>
             <a:endParaRPr lang="en-GB"/>
           </a:p>
@@ -6978,7 +7207,7 @@
           <a:p>
             <a:fld id="{B209966E-AA50-4CC1-B243-614EF709DB92}" type="datetimeFigureOut">
               <a:rPr lang="en-GB" smtClean="0"/>
-              <a:t>06/06/2023</a:t>
+              <a:t>04/07/2023</a:t>
             </a:fld>
             <a:endParaRPr lang="en-GB"/>
           </a:p>
@@ -7178,7 +7407,7 @@
           <a:p>
             <a:fld id="{B209966E-AA50-4CC1-B243-614EF709DB92}" type="datetimeFigureOut">
               <a:rPr lang="en-GB" smtClean="0"/>
-              <a:t>06/06/2023</a:t>
+              <a:t>04/07/2023</a:t>
             </a:fld>
             <a:endParaRPr lang="en-GB"/>
           </a:p>
@@ -7388,7 +7617,7 @@
           <a:p>
             <a:fld id="{B209966E-AA50-4CC1-B243-614EF709DB92}" type="datetimeFigureOut">
               <a:rPr lang="en-GB" smtClean="0"/>
-              <a:t>06/06/2023</a:t>
+              <a:t>04/07/2023</a:t>
             </a:fld>
             <a:endParaRPr lang="en-GB"/>
           </a:p>
@@ -7588,7 +7817,7 @@
           <a:p>
             <a:fld id="{B209966E-AA50-4CC1-B243-614EF709DB92}" type="datetimeFigureOut">
               <a:rPr lang="en-GB" smtClean="0"/>
-              <a:t>06/06/2023</a:t>
+              <a:t>04/07/2023</a:t>
             </a:fld>
             <a:endParaRPr lang="en-GB"/>
           </a:p>
@@ -7864,7 +8093,7 @@
           <a:p>
             <a:fld id="{B209966E-AA50-4CC1-B243-614EF709DB92}" type="datetimeFigureOut">
               <a:rPr lang="en-GB" smtClean="0"/>
-              <a:t>06/06/2023</a:t>
+              <a:t>04/07/2023</a:t>
             </a:fld>
             <a:endParaRPr lang="en-GB"/>
           </a:p>
@@ -8132,7 +8361,7 @@
           <a:p>
             <a:fld id="{B209966E-AA50-4CC1-B243-614EF709DB92}" type="datetimeFigureOut">
               <a:rPr lang="en-GB" smtClean="0"/>
-              <a:t>06/06/2023</a:t>
+              <a:t>04/07/2023</a:t>
             </a:fld>
             <a:endParaRPr lang="en-GB"/>
           </a:p>
@@ -8547,7 +8776,7 @@
           <a:p>
             <a:fld id="{B209966E-AA50-4CC1-B243-614EF709DB92}" type="datetimeFigureOut">
               <a:rPr lang="en-GB" smtClean="0"/>
-              <a:t>06/06/2023</a:t>
+              <a:t>04/07/2023</a:t>
             </a:fld>
             <a:endParaRPr lang="en-GB"/>
           </a:p>
@@ -8689,7 +8918,7 @@
           <a:p>
             <a:fld id="{B209966E-AA50-4CC1-B243-614EF709DB92}" type="datetimeFigureOut">
               <a:rPr lang="en-GB" smtClean="0"/>
-              <a:t>06/06/2023</a:t>
+              <a:t>04/07/2023</a:t>
             </a:fld>
             <a:endParaRPr lang="en-GB"/>
           </a:p>
@@ -8802,7 +9031,7 @@
           <a:p>
             <a:fld id="{B209966E-AA50-4CC1-B243-614EF709DB92}" type="datetimeFigureOut">
               <a:rPr lang="en-GB" smtClean="0"/>
-              <a:t>06/06/2023</a:t>
+              <a:t>04/07/2023</a:t>
             </a:fld>
             <a:endParaRPr lang="en-GB"/>
           </a:p>
@@ -9115,7 +9344,7 @@
           <a:p>
             <a:fld id="{B209966E-AA50-4CC1-B243-614EF709DB92}" type="datetimeFigureOut">
               <a:rPr lang="en-GB" smtClean="0"/>
-              <a:t>06/06/2023</a:t>
+              <a:t>04/07/2023</a:t>
             </a:fld>
             <a:endParaRPr lang="en-GB"/>
           </a:p>
@@ -9404,7 +9633,7 @@
           <a:p>
             <a:fld id="{B209966E-AA50-4CC1-B243-614EF709DB92}" type="datetimeFigureOut">
               <a:rPr lang="en-GB" smtClean="0"/>
-              <a:t>06/06/2023</a:t>
+              <a:t>04/07/2023</a:t>
             </a:fld>
             <a:endParaRPr lang="en-GB"/>
           </a:p>
@@ -9647,7 +9876,7 @@
           <a:p>
             <a:fld id="{B209966E-AA50-4CC1-B243-614EF709DB92}" type="datetimeFigureOut">
               <a:rPr lang="en-GB" smtClean="0"/>
-              <a:t>06/06/2023</a:t>
+              <a:t>04/07/2023</a:t>
             </a:fld>
             <a:endParaRPr lang="en-GB"/>
           </a:p>
@@ -10706,7 +10935,7 @@
             </a:r>
             <a:r>
               <a:rPr lang="en-GB" sz="1900" b="1" dirty="0"/>
-              <a:t>50%</a:t>
+              <a:t>50% on average </a:t>
             </a:r>
           </a:p>
         </p:txBody>
@@ -12162,14 +12391,6 @@
 <file path=ppt/slides/slide6.xml><?xml version="1.0" encoding="utf-8"?>
 <p:sld xmlns:a="http://schemas.openxmlformats.org/drawingml/2006/main" xmlns:r="http://schemas.openxmlformats.org/officeDocument/2006/relationships" xmlns:p="http://schemas.openxmlformats.org/presentationml/2006/main">
   <p:cSld>
-    <p:bg>
-      <p:bgPr>
-        <a:solidFill>
-          <a:schemeClr val="bg1"/>
-        </a:solidFill>
-        <a:effectLst/>
-      </p:bgPr>
-    </p:bg>
     <p:spTree>
       <p:nvGrpSpPr>
         <p:cNvPr id="1" name=""/>
@@ -12184,72 +12405,12 @@
           <a:chExt cx="0" cy="0"/>
         </a:xfrm>
       </p:grpSpPr>
-      <p:sp useBgFill="1">
-        <p:nvSpPr>
-          <p:cNvPr id="10" name="Rectangle 9">
-            <a:extLst>
-              <a:ext uri="{FF2B5EF4-FFF2-40B4-BE49-F238E27FC236}">
-                <a16:creationId xmlns:a16="http://schemas.microsoft.com/office/drawing/2014/main" id="{DBC6133C-0615-4CE4-9132-37E609A9BDFA}"/>
-              </a:ext>
-              <a:ext uri="{C183D7F6-B498-43B3-948B-1728B52AA6E4}">
-                <adec:decorative xmlns:adec="http://schemas.microsoft.com/office/drawing/2017/decorative" val="1"/>
-              </a:ext>
-            </a:extLst>
-          </p:cNvPr>
-          <p:cNvSpPr>
-            <a:spLocks noGrp="1" noRot="1" noChangeAspect="1" noMove="1" noResize="1" noEditPoints="1" noAdjustHandles="1" noChangeArrowheads="1" noChangeShapeType="1" noTextEdit="1"/>
-          </p:cNvSpPr>
-          <p:nvPr>
-            <p:extLst>
-              <p:ext uri="{386F3935-93C4-4BCD-93E2-E3B085C9AB24}">
-                <p16:designElem xmlns:p16="http://schemas.microsoft.com/office/powerpoint/2015/main" val="1"/>
-              </p:ext>
-            </p:extLst>
-          </p:nvPr>
-        </p:nvSpPr>
-        <p:spPr>
-          <a:xfrm>
-            <a:off x="0" y="0"/>
-            <a:ext cx="12191999" cy="6857365"/>
-          </a:xfrm>
-          <a:prstGeom prst="rect">
-            <a:avLst/>
-          </a:prstGeom>
-          <a:ln>
-            <a:noFill/>
-          </a:ln>
-        </p:spPr>
-        <p:style>
-          <a:lnRef idx="2">
-            <a:schemeClr val="accent1">
-              <a:shade val="50000"/>
-            </a:schemeClr>
-          </a:lnRef>
-          <a:fillRef idx="1">
-            <a:schemeClr val="accent1"/>
-          </a:fillRef>
-          <a:effectRef idx="0">
-            <a:schemeClr val="accent1"/>
-          </a:effectRef>
-          <a:fontRef idx="minor">
-            <a:schemeClr val="lt1"/>
-          </a:fontRef>
-        </p:style>
-        <p:txBody>
-          <a:bodyPr rtlCol="0" anchor="ctr"/>
-          <a:lstStyle/>
-          <a:p>
-            <a:pPr algn="ctr"/>
-            <a:endParaRPr lang="en-US"/>
-          </a:p>
-        </p:txBody>
-      </p:sp>
       <p:sp>
         <p:nvSpPr>
           <p:cNvPr id="2" name="Title 1">
             <a:extLst>
               <a:ext uri="{FF2B5EF4-FFF2-40B4-BE49-F238E27FC236}">
-                <a16:creationId xmlns:a16="http://schemas.microsoft.com/office/drawing/2014/main" id="{727140F7-C585-1AC2-02CF-05EC61F5D2CA}"/>
+                <a16:creationId xmlns:a16="http://schemas.microsoft.com/office/drawing/2014/main" id="{C9164F37-F65C-D5B0-5F59-F37F62D8E7A5}"/>
               </a:ext>
             </a:extLst>
           </p:cNvPr>
@@ -12260,85 +12421,192 @@
             <p:ph type="title"/>
           </p:nvPr>
         </p:nvSpPr>
+        <p:spPr/>
+        <p:txBody>
+          <a:bodyPr/>
+          <a:lstStyle/>
+          <a:p>
+            <a:r>
+              <a:rPr lang="en-GB" dirty="0"/>
+              <a:t>Autoencoder </a:t>
+            </a:r>
+          </a:p>
+        </p:txBody>
+      </p:sp>
+      <p:pic>
+        <p:nvPicPr>
+          <p:cNvPr id="1026" name="Picture 2" descr="The general autoencoder architecture.">
+            <a:extLst>
+              <a:ext uri="{FF2B5EF4-FFF2-40B4-BE49-F238E27FC236}">
+                <a16:creationId xmlns:a16="http://schemas.microsoft.com/office/drawing/2014/main" id="{82EBF12A-A2D0-9C02-42A4-CCAFB3D78147}"/>
+              </a:ext>
+            </a:extLst>
+          </p:cNvPr>
+          <p:cNvPicPr>
+            <a:picLocks noChangeAspect="1" noChangeArrowheads="1"/>
+          </p:cNvPicPr>
+          <p:nvPr/>
+        </p:nvPicPr>
+        <p:blipFill>
+          <a:blip r:embed="rId2">
+            <a:extLst>
+              <a:ext uri="{28A0092B-C50C-407E-A947-70E740481C1C}">
+                <a14:useLocalDpi xmlns:a14="http://schemas.microsoft.com/office/drawing/2010/main" val="0"/>
+              </a:ext>
+            </a:extLst>
+          </a:blip>
+          <a:srcRect/>
+          <a:stretch>
+            <a:fillRect/>
+          </a:stretch>
+        </p:blipFill>
+        <p:spPr bwMode="auto">
+          <a:xfrm>
+            <a:off x="469234" y="1497812"/>
+            <a:ext cx="5137626" cy="4636145"/>
+          </a:xfrm>
+          <a:prstGeom prst="rect">
+            <a:avLst/>
+          </a:prstGeom>
+          <a:noFill/>
+          <a:extLst>
+            <a:ext uri="{909E8E84-426E-40DD-AFC4-6F175D3DCCD1}">
+              <a14:hiddenFill xmlns:a14="http://schemas.microsoft.com/office/drawing/2010/main">
+                <a:solidFill>
+                  <a:srgbClr val="FFFFFF"/>
+                </a:solidFill>
+              </a14:hiddenFill>
+            </a:ext>
+          </a:extLst>
+        </p:spPr>
+      </p:pic>
+      <p:sp>
+        <p:nvSpPr>
+          <p:cNvPr id="4" name="TextBox 3">
+            <a:extLst>
+              <a:ext uri="{FF2B5EF4-FFF2-40B4-BE49-F238E27FC236}">
+                <a16:creationId xmlns:a16="http://schemas.microsoft.com/office/drawing/2014/main" id="{6A54DF19-344B-41D0-418A-272B2CD05378}"/>
+              </a:ext>
+            </a:extLst>
+          </p:cNvPr>
+          <p:cNvSpPr txBox="1"/>
+          <p:nvPr/>
+        </p:nvSpPr>
         <p:spPr>
           <a:xfrm>
-            <a:off x="645064" y="525982"/>
-            <a:ext cx="4282983" cy="1200361"/>
+            <a:off x="6257986" y="2665859"/>
+            <a:ext cx="5191425" cy="2308324"/>
           </a:xfrm>
+          <a:prstGeom prst="rect">
+            <a:avLst/>
+          </a:prstGeom>
+          <a:noFill/>
         </p:spPr>
         <p:txBody>
-          <a:bodyPr anchor="b">
-            <a:normAutofit/>
+          <a:bodyPr wrap="square" rtlCol="0">
+            <a:spAutoFit/>
           </a:bodyPr>
           <a:lstStyle/>
           <a:p>
-            <a:r>
-              <a:rPr lang="en-GB" sz="3600"/>
-              <a:t>What has been done so far </a:t>
-            </a:r>
+            <a:pPr marL="285750" indent="-285750">
+              <a:buFont typeface="Arial" panose="020B0604020202020204" pitchFamily="34" charset="0"/>
+              <a:buChar char="•"/>
+            </a:pPr>
+            <a:r>
+              <a:rPr lang="en-GB" dirty="0"/>
+              <a:t>Encoder (blue) : breaks </a:t>
+            </a:r>
+            <a:r>
+              <a:rPr lang="en-GB" dirty="0" err="1"/>
+              <a:t>donw</a:t>
+            </a:r>
+            <a:r>
+              <a:rPr lang="en-GB" dirty="0"/>
+              <a:t> data into a lower dimensional space , to identify the most important patterns </a:t>
+            </a:r>
+          </a:p>
+          <a:p>
+            <a:pPr marL="285750" indent="-285750">
+              <a:buFont typeface="Arial" panose="020B0604020202020204" pitchFamily="34" charset="0"/>
+              <a:buChar char="•"/>
+            </a:pPr>
+            <a:r>
+              <a:rPr lang="en-GB" dirty="0"/>
+              <a:t>Decoder learns to reconstruct data from the lowest dimension </a:t>
+            </a:r>
+          </a:p>
+          <a:p>
+            <a:pPr marL="285750" indent="-285750">
+              <a:buFont typeface="Arial" panose="020B0604020202020204" pitchFamily="34" charset="0"/>
+              <a:buChar char="•"/>
+            </a:pPr>
+            <a:r>
+              <a:rPr lang="en-GB" dirty="0"/>
+              <a:t>Here we use this for data reconstruction by attempting to reconstruct the intracardiac rhythm from </a:t>
+            </a:r>
+            <a:r>
+              <a:rPr lang="en-GB" dirty="0" err="1"/>
+              <a:t>ecg</a:t>
+            </a:r>
+            <a:endParaRPr lang="en-GB" dirty="0"/>
           </a:p>
         </p:txBody>
       </p:sp>
+    </p:spTree>
+    <p:extLst>
+      <p:ext uri="{BB962C8B-B14F-4D97-AF65-F5344CB8AC3E}">
+        <p14:creationId xmlns:p14="http://schemas.microsoft.com/office/powerpoint/2010/main" val="372905623"/>
+      </p:ext>
+    </p:extLst>
+  </p:cSld>
+  <p:clrMapOvr>
+    <a:masterClrMapping/>
+  </p:clrMapOvr>
+</p:sld>
+</file>
+
+<file path=ppt/slides/slide7.xml><?xml version="1.0" encoding="utf-8"?>
+<p:sld xmlns:a="http://schemas.openxmlformats.org/drawingml/2006/main" xmlns:r="http://schemas.openxmlformats.org/officeDocument/2006/relationships" xmlns:p="http://schemas.openxmlformats.org/presentationml/2006/main">
+  <p:cSld>
+    <p:spTree>
+      <p:nvGrpSpPr>
+        <p:cNvPr id="1" name=""/>
+        <p:cNvGrpSpPr/>
+        <p:nvPr/>
+      </p:nvGrpSpPr>
+      <p:grpSpPr>
+        <a:xfrm>
+          <a:off x="0" y="0"/>
+          <a:ext cx="0" cy="0"/>
+          <a:chOff x="0" y="0"/>
+          <a:chExt cx="0" cy="0"/>
+        </a:xfrm>
+      </p:grpSpPr>
       <p:sp>
         <p:nvSpPr>
-          <p:cNvPr id="12" name="Rectangle 11">
+          <p:cNvPr id="2" name="Title 1">
             <a:extLst>
               <a:ext uri="{FF2B5EF4-FFF2-40B4-BE49-F238E27FC236}">
-                <a16:creationId xmlns:a16="http://schemas.microsoft.com/office/drawing/2014/main" id="{169CC832-2974-4E8D-90ED-3E2941BA7336}"/>
-              </a:ext>
-              <a:ext uri="{C183D7F6-B498-43B3-948B-1728B52AA6E4}">
-                <adec:decorative xmlns:adec="http://schemas.microsoft.com/office/drawing/2017/decorative" val="1"/>
+                <a16:creationId xmlns:a16="http://schemas.microsoft.com/office/drawing/2014/main" id="{A912C43E-F375-F4A0-CDAC-8DCE4123510A}"/>
               </a:ext>
             </a:extLst>
           </p:cNvPr>
           <p:cNvSpPr>
-            <a:spLocks noGrp="1" noRot="1" noChangeAspect="1" noMove="1" noResize="1" noEditPoints="1" noAdjustHandles="1" noChangeArrowheads="1" noChangeShapeType="1" noTextEdit="1"/>
+            <a:spLocks noGrp="1"/>
           </p:cNvSpPr>
           <p:nvPr>
-            <p:extLst>
-              <p:ext uri="{386F3935-93C4-4BCD-93E2-E3B085C9AB24}">
-                <p16:designElem xmlns:p16="http://schemas.microsoft.com/office/powerpoint/2015/main" val="1"/>
-              </p:ext>
-            </p:extLst>
+            <p:ph type="title"/>
           </p:nvPr>
         </p:nvSpPr>
-        <p:spPr>
-          <a:xfrm flipH="1">
-            <a:off x="616533" y="1944913"/>
-            <a:ext cx="4023360" cy="27432"/>
-          </a:xfrm>
-          <a:prstGeom prst="rect">
-            <a:avLst/>
-          </a:prstGeom>
-          <a:solidFill>
-            <a:schemeClr val="accent4"/>
-          </a:solidFill>
-          <a:ln>
-            <a:noFill/>
-          </a:ln>
-        </p:spPr>
-        <p:style>
-          <a:lnRef idx="2">
-            <a:schemeClr val="accent1">
-              <a:shade val="50000"/>
-            </a:schemeClr>
-          </a:lnRef>
-          <a:fillRef idx="1">
-            <a:schemeClr val="accent1"/>
-          </a:fillRef>
-          <a:effectRef idx="0">
-            <a:schemeClr val="accent1"/>
-          </a:effectRef>
-          <a:fontRef idx="minor">
-            <a:schemeClr val="lt1"/>
-          </a:fontRef>
-        </p:style>
+        <p:spPr/>
         <p:txBody>
-          <a:bodyPr rtlCol="0" anchor="ctr"/>
+          <a:bodyPr/>
           <a:lstStyle/>
           <a:p>
-            <a:pPr algn="ctr"/>
-            <a:endParaRPr lang="en-US"/>
+            <a:r>
+              <a:rPr lang="en-GB" dirty="0"/>
+              <a:t>Variational autoencoder</a:t>
+            </a:r>
           </a:p>
         </p:txBody>
       </p:sp>
@@ -12347,7 +12615,7 @@
           <p:cNvPr id="3" name="Content Placeholder 2">
             <a:extLst>
               <a:ext uri="{FF2B5EF4-FFF2-40B4-BE49-F238E27FC236}">
-                <a16:creationId xmlns:a16="http://schemas.microsoft.com/office/drawing/2014/main" id="{78CBC47F-5D01-BEA8-F8C1-8AD6244DE802}"/>
+                <a16:creationId xmlns:a16="http://schemas.microsoft.com/office/drawing/2014/main" id="{0C355793-6E46-4FAD-EC36-3171DFACE93C}"/>
               </a:ext>
             </a:extLst>
           </p:cNvPr>
@@ -12358,253 +12626,56 @@
             <p:ph idx="1"/>
           </p:nvPr>
         </p:nvSpPr>
-        <p:spPr>
-          <a:xfrm>
-            <a:off x="645066" y="2031101"/>
-            <a:ext cx="4282984" cy="3511943"/>
-          </a:xfrm>
-        </p:spPr>
+        <p:spPr/>
         <p:txBody>
-          <a:bodyPr anchor="ctr">
-            <a:normAutofit/>
-          </a:bodyPr>
+          <a:bodyPr/>
           <a:lstStyle/>
           <a:p>
             <a:r>
-              <a:rPr lang="en-GB" sz="1800" dirty="0"/>
-              <a:t>Cleaned data and extracting five leads I,aVF,V1,V6 and cs 3-4</a:t>
-            </a:r>
-          </a:p>
-          <a:p>
-            <a:r>
-              <a:rPr lang="en-GB" sz="1800" dirty="0"/>
-              <a:t>Ran </a:t>
-            </a:r>
-            <a:r>
-              <a:rPr lang="en-GB" sz="1800" dirty="0" err="1"/>
-              <a:t>ltsm</a:t>
-            </a:r>
-            <a:r>
-              <a:rPr lang="en-GB" sz="1800" dirty="0"/>
-              <a:t> models and autoencoders models </a:t>
-            </a:r>
-          </a:p>
-          <a:p>
-            <a:r>
-              <a:rPr lang="en-GB" sz="1800" dirty="0"/>
-              <a:t>Current results show some promise but require , debugging </a:t>
-            </a:r>
-          </a:p>
-          <a:p>
-            <a:endParaRPr lang="en-GB" sz="1800" dirty="0"/>
-          </a:p>
-          <a:p>
-            <a:endParaRPr lang="en-GB" sz="1800" dirty="0"/>
-          </a:p>
-        </p:txBody>
-      </p:sp>
-      <p:sp>
-        <p:nvSpPr>
-          <p:cNvPr id="14" name="Rectangle 13">
-            <a:extLst>
-              <a:ext uri="{FF2B5EF4-FFF2-40B4-BE49-F238E27FC236}">
-                <a16:creationId xmlns:a16="http://schemas.microsoft.com/office/drawing/2014/main" id="{55222F96-971A-4F90-B841-6BAB416C7AC1}"/>
-              </a:ext>
-              <a:ext uri="{C183D7F6-B498-43B3-948B-1728B52AA6E4}">
-                <adec:decorative xmlns:adec="http://schemas.microsoft.com/office/drawing/2017/decorative" val="1"/>
-              </a:ext>
-            </a:extLst>
-          </p:cNvPr>
-          <p:cNvSpPr>
-            <a:spLocks noGrp="1" noRot="1" noChangeAspect="1" noMove="1" noResize="1" noEditPoints="1" noAdjustHandles="1" noChangeArrowheads="1" noChangeShapeType="1" noTextEdit="1"/>
-          </p:cNvSpPr>
-          <p:nvPr>
-            <p:extLst>
-              <p:ext uri="{386F3935-93C4-4BCD-93E2-E3B085C9AB24}">
-                <p16:designElem xmlns:p16="http://schemas.microsoft.com/office/powerpoint/2015/main" val="1"/>
-              </p:ext>
-            </p:extLst>
-          </p:nvPr>
-        </p:nvSpPr>
-        <p:spPr>
-          <a:xfrm rot="5400000">
-            <a:off x="-225843" y="6053360"/>
-            <a:ext cx="740664" cy="154124"/>
-          </a:xfrm>
-          <a:prstGeom prst="rect">
-            <a:avLst/>
-          </a:prstGeom>
-          <a:solidFill>
-            <a:schemeClr val="accent4"/>
-          </a:solidFill>
-          <a:ln>
-            <a:noFill/>
-          </a:ln>
-        </p:spPr>
-        <p:style>
-          <a:lnRef idx="2">
-            <a:schemeClr val="accent1">
-              <a:shade val="50000"/>
-            </a:schemeClr>
-          </a:lnRef>
-          <a:fillRef idx="1">
-            <a:schemeClr val="accent1"/>
-          </a:fillRef>
-          <a:effectRef idx="0">
-            <a:schemeClr val="accent1"/>
-          </a:effectRef>
-          <a:fontRef idx="minor">
-            <a:schemeClr val="lt1"/>
-          </a:fontRef>
-        </p:style>
-        <p:txBody>
-          <a:bodyPr rtlCol="0" anchor="ctr"/>
-          <a:lstStyle/>
-          <a:p>
-            <a:pPr algn="ctr"/>
-            <a:endParaRPr lang="en-US"/>
-          </a:p>
-        </p:txBody>
-      </p:sp>
-      <p:sp>
-        <p:nvSpPr>
-          <p:cNvPr id="16" name="Rectangle 15">
-            <a:extLst>
-              <a:ext uri="{FF2B5EF4-FFF2-40B4-BE49-F238E27FC236}">
-                <a16:creationId xmlns:a16="http://schemas.microsoft.com/office/drawing/2014/main" id="{08980754-6F4B-43C9-B9BE-127B6BED6586}"/>
-              </a:ext>
-              <a:ext uri="{C183D7F6-B498-43B3-948B-1728B52AA6E4}">
-                <adec:decorative xmlns:adec="http://schemas.microsoft.com/office/drawing/2017/decorative" val="1"/>
-              </a:ext>
-            </a:extLst>
-          </p:cNvPr>
-          <p:cNvSpPr>
-            <a:spLocks noGrp="1" noRot="1" noChangeAspect="1" noMove="1" noResize="1" noEditPoints="1" noAdjustHandles="1" noChangeArrowheads="1" noChangeShapeType="1" noTextEdit="1"/>
-          </p:cNvSpPr>
-          <p:nvPr>
-            <p:extLst>
-              <p:ext uri="{386F3935-93C4-4BCD-93E2-E3B085C9AB24}">
-                <p16:designElem xmlns:p16="http://schemas.microsoft.com/office/powerpoint/2015/main" val="1"/>
-              </p:ext>
-            </p:extLst>
-          </p:nvPr>
-        </p:nvSpPr>
-        <p:spPr>
-          <a:xfrm rot="5400000">
-            <a:off x="5904923" y="215201"/>
-            <a:ext cx="740664" cy="11833491"/>
-          </a:xfrm>
-          <a:prstGeom prst="rect">
-            <a:avLst/>
-          </a:prstGeom>
-          <a:solidFill>
-            <a:schemeClr val="accent4"/>
-          </a:solidFill>
-          <a:ln>
-            <a:noFill/>
-          </a:ln>
-        </p:spPr>
-        <p:style>
-          <a:lnRef idx="2">
-            <a:schemeClr val="accent1">
-              <a:shade val="50000"/>
-            </a:schemeClr>
-          </a:lnRef>
-          <a:fillRef idx="1">
-            <a:schemeClr val="accent1"/>
-          </a:fillRef>
-          <a:effectRef idx="0">
-            <a:schemeClr val="accent1"/>
-          </a:effectRef>
-          <a:fontRef idx="minor">
-            <a:schemeClr val="lt1"/>
-          </a:fontRef>
-        </p:style>
-        <p:txBody>
-          <a:bodyPr rtlCol="0" anchor="ctr"/>
-          <a:lstStyle/>
-          <a:p>
-            <a:pPr algn="ctr"/>
-            <a:endParaRPr lang="en-US"/>
-          </a:p>
-        </p:txBody>
-      </p:sp>
-      <p:sp>
-        <p:nvSpPr>
-          <p:cNvPr id="18" name="Rectangle 17">
-            <a:extLst>
-              <a:ext uri="{FF2B5EF4-FFF2-40B4-BE49-F238E27FC236}">
-                <a16:creationId xmlns:a16="http://schemas.microsoft.com/office/drawing/2014/main" id="{2C1BBA94-3F40-40AA-8BB9-E69E25E537C1}"/>
-              </a:ext>
-              <a:ext uri="{C183D7F6-B498-43B3-948B-1728B52AA6E4}">
-                <adec:decorative xmlns:adec="http://schemas.microsoft.com/office/drawing/2017/decorative" val="1"/>
-              </a:ext>
-            </a:extLst>
-          </p:cNvPr>
-          <p:cNvSpPr>
-            <a:spLocks noGrp="1" noRot="1" noChangeAspect="1" noMove="1" noResize="1" noEditPoints="1" noAdjustHandles="1" noChangeArrowheads="1" noChangeShapeType="1" noTextEdit="1"/>
-          </p:cNvSpPr>
-          <p:nvPr>
-            <p:extLst>
-              <p:ext uri="{386F3935-93C4-4BCD-93E2-E3B085C9AB24}">
-                <p16:designElem xmlns:p16="http://schemas.microsoft.com/office/powerpoint/2015/main" val="1"/>
-              </p:ext>
-            </p:extLst>
-          </p:nvPr>
-        </p:nvSpPr>
-        <p:spPr>
-          <a:xfrm>
-            <a:off x="5696793" y="354959"/>
-            <a:ext cx="6184973" cy="5915212"/>
-          </a:xfrm>
-          <a:prstGeom prst="rect">
-            <a:avLst/>
-          </a:prstGeom>
-          <a:solidFill>
-            <a:schemeClr val="bg1"/>
-          </a:solidFill>
-          <a:ln>
-            <a:noFill/>
-          </a:ln>
-          <a:effectLst>
-            <a:outerShdw blurRad="139700" dist="127000" dir="5400000" algn="t" rotWithShape="0">
-              <a:prstClr val="black">
-                <a:alpha val="15000"/>
-              </a:prstClr>
-            </a:outerShdw>
-          </a:effectLst>
-        </p:spPr>
-        <p:style>
-          <a:lnRef idx="2">
-            <a:schemeClr val="accent1">
-              <a:shade val="50000"/>
-            </a:schemeClr>
-          </a:lnRef>
-          <a:fillRef idx="1">
-            <a:schemeClr val="accent1"/>
-          </a:fillRef>
-          <a:effectRef idx="0">
-            <a:schemeClr val="accent1"/>
-          </a:effectRef>
-          <a:fontRef idx="minor">
-            <a:schemeClr val="lt1"/>
-          </a:fontRef>
-        </p:style>
-        <p:txBody>
-          <a:bodyPr rtlCol="0" anchor="ctr"/>
-          <a:lstStyle/>
-          <a:p>
-            <a:pPr algn="ctr"/>
-            <a:endParaRPr lang="en-US"/>
+              <a:rPr lang="en-GB" dirty="0"/>
+              <a:t>Become popular as generative ai has come to the forefront </a:t>
+            </a:r>
+          </a:p>
+          <a:p>
+            <a:r>
+              <a:rPr lang="en-GB" dirty="0"/>
+              <a:t>Takes a Bayesian approach to the latent space , by assuming a gaussian distribution a priori</a:t>
+            </a:r>
+          </a:p>
+          <a:p>
+            <a:r>
+              <a:rPr lang="en-GB" dirty="0"/>
+              <a:t>Able to sample from the Bayesian distribution instead of the frequentist probabilities to generate slightly new </a:t>
+            </a:r>
+            <a:r>
+              <a:rPr lang="en-GB" dirty="0" err="1"/>
+              <a:t>datsets</a:t>
+            </a:r>
+            <a:r>
+              <a:rPr lang="en-GB" dirty="0"/>
+              <a:t> </a:t>
+            </a:r>
+          </a:p>
+          <a:p>
+            <a:r>
+              <a:rPr lang="en-GB" dirty="0"/>
+              <a:t>Improves performance over normal autoencoder , dealing with noisy or missing data </a:t>
+            </a:r>
+          </a:p>
+          <a:p>
+            <a:r>
+              <a:rPr lang="en-GB" dirty="0"/>
+              <a:t>Apply sampling function to auto encoder to help do this</a:t>
+            </a:r>
           </a:p>
         </p:txBody>
       </p:sp>
       <p:pic>
         <p:nvPicPr>
-          <p:cNvPr id="5" name="Picture 4">
+          <p:cNvPr id="6" name="Picture 5">
             <a:extLst>
               <a:ext uri="{FF2B5EF4-FFF2-40B4-BE49-F238E27FC236}">
-                <a16:creationId xmlns:a16="http://schemas.microsoft.com/office/drawing/2014/main" id="{E8D618A2-0475-0581-16A8-682CE0A0D321}"/>
+                <a16:creationId xmlns:a16="http://schemas.microsoft.com/office/drawing/2014/main" id="{135B4F60-8F8A-BF15-DA75-385A0F50A4DA}"/>
               </a:ext>
             </a:extLst>
           </p:cNvPr>
@@ -12621,18 +12692,286 @@
         </p:blipFill>
         <p:spPr>
           <a:xfrm>
-            <a:off x="5386560" y="1404511"/>
-            <a:ext cx="6229196" cy="4048977"/>
+            <a:off x="6096000" y="5487578"/>
+            <a:ext cx="4214271" cy="1258174"/>
           </a:xfrm>
           <a:prstGeom prst="rect">
             <a:avLst/>
           </a:prstGeom>
         </p:spPr>
       </p:pic>
+      <p:pic>
+        <p:nvPicPr>
+          <p:cNvPr id="2050" name="Picture 2" descr="Bayes' theorem - GaussianWaves">
+            <a:extLst>
+              <a:ext uri="{FF2B5EF4-FFF2-40B4-BE49-F238E27FC236}">
+                <a16:creationId xmlns:a16="http://schemas.microsoft.com/office/drawing/2014/main" id="{52B697BF-2FF8-1E7F-E4B2-A3D7812DAA20}"/>
+              </a:ext>
+            </a:extLst>
+          </p:cNvPr>
+          <p:cNvPicPr>
+            <a:picLocks noChangeAspect="1" noChangeArrowheads="1"/>
+          </p:cNvPicPr>
+          <p:nvPr/>
+        </p:nvPicPr>
+        <p:blipFill>
+          <a:blip r:embed="rId3">
+            <a:extLst>
+              <a:ext uri="{28A0092B-C50C-407E-A947-70E740481C1C}">
+                <a14:useLocalDpi xmlns:a14="http://schemas.microsoft.com/office/drawing/2010/main" val="0"/>
+              </a:ext>
+            </a:extLst>
+          </a:blip>
+          <a:srcRect/>
+          <a:stretch>
+            <a:fillRect/>
+          </a:stretch>
+        </p:blipFill>
+        <p:spPr bwMode="auto">
+          <a:xfrm>
+            <a:off x="7173209" y="112248"/>
+            <a:ext cx="4741368" cy="1451678"/>
+          </a:xfrm>
+          <a:prstGeom prst="rect">
+            <a:avLst/>
+          </a:prstGeom>
+          <a:noFill/>
+          <a:extLst>
+            <a:ext uri="{909E8E84-426E-40DD-AFC4-6F175D3DCCD1}">
+              <a14:hiddenFill xmlns:a14="http://schemas.microsoft.com/office/drawing/2010/main">
+                <a:solidFill>
+                  <a:srgbClr val="FFFFFF"/>
+                </a:solidFill>
+              </a14:hiddenFill>
+            </a:ext>
+          </a:extLst>
+        </p:spPr>
+      </p:pic>
     </p:spTree>
     <p:extLst>
       <p:ext uri="{BB962C8B-B14F-4D97-AF65-F5344CB8AC3E}">
-        <p14:creationId xmlns:p14="http://schemas.microsoft.com/office/powerpoint/2010/main" val="909441715"/>
+        <p14:creationId xmlns:p14="http://schemas.microsoft.com/office/powerpoint/2010/main" val="2577193962"/>
+      </p:ext>
+    </p:extLst>
+  </p:cSld>
+  <p:clrMapOvr>
+    <a:masterClrMapping/>
+  </p:clrMapOvr>
+</p:sld>
+</file>
+
+<file path=ppt/slides/slide8.xml><?xml version="1.0" encoding="utf-8"?>
+<p:sld xmlns:a="http://schemas.openxmlformats.org/drawingml/2006/main" xmlns:r="http://schemas.openxmlformats.org/officeDocument/2006/relationships" xmlns:p="http://schemas.openxmlformats.org/presentationml/2006/main">
+  <p:cSld>
+    <p:spTree>
+      <p:nvGrpSpPr>
+        <p:cNvPr id="1" name=""/>
+        <p:cNvGrpSpPr/>
+        <p:nvPr/>
+      </p:nvGrpSpPr>
+      <p:grpSpPr>
+        <a:xfrm>
+          <a:off x="0" y="0"/>
+          <a:ext cx="0" cy="0"/>
+          <a:chOff x="0" y="0"/>
+          <a:chExt cx="0" cy="0"/>
+        </a:xfrm>
+      </p:grpSpPr>
+      <p:sp>
+        <p:nvSpPr>
+          <p:cNvPr id="2" name="Title 1">
+            <a:extLst>
+              <a:ext uri="{FF2B5EF4-FFF2-40B4-BE49-F238E27FC236}">
+                <a16:creationId xmlns:a16="http://schemas.microsoft.com/office/drawing/2014/main" id="{A0FA2FDD-5BFE-E27E-70C4-3079BE65822E}"/>
+              </a:ext>
+            </a:extLst>
+          </p:cNvPr>
+          <p:cNvSpPr>
+            <a:spLocks noGrp="1"/>
+          </p:cNvSpPr>
+          <p:nvPr>
+            <p:ph type="title"/>
+          </p:nvPr>
+        </p:nvSpPr>
+        <p:spPr/>
+        <p:txBody>
+          <a:bodyPr/>
+          <a:lstStyle/>
+          <a:p>
+            <a:r>
+              <a:rPr lang="en-GB" dirty="0"/>
+              <a:t>Using variable autoencoder as a solution / further work , limitation</a:t>
+            </a:r>
+          </a:p>
+        </p:txBody>
+      </p:sp>
+      <p:sp>
+        <p:nvSpPr>
+          <p:cNvPr id="3" name="Content Placeholder 2">
+            <a:extLst>
+              <a:ext uri="{FF2B5EF4-FFF2-40B4-BE49-F238E27FC236}">
+                <a16:creationId xmlns:a16="http://schemas.microsoft.com/office/drawing/2014/main" id="{F0E87273-2C44-5EFF-36B5-DDE3A0B67061}"/>
+              </a:ext>
+            </a:extLst>
+          </p:cNvPr>
+          <p:cNvSpPr>
+            <a:spLocks noGrp="1"/>
+          </p:cNvSpPr>
+          <p:nvPr>
+            <p:ph idx="1"/>
+          </p:nvPr>
+        </p:nvSpPr>
+        <p:spPr/>
+        <p:txBody>
+          <a:bodyPr/>
+          <a:lstStyle/>
+          <a:p>
+            <a:r>
+              <a:rPr lang="en-GB" dirty="0"/>
+              <a:t>Made and Variational autoencoder that reconstructs intracardiac rhythm </a:t>
+            </a:r>
+          </a:p>
+          <a:p>
+            <a:r>
+              <a:rPr lang="en-GB" dirty="0"/>
+              <a:t> Effective in reconstruction ineffective in predicting patterns using current data</a:t>
+            </a:r>
+          </a:p>
+          <a:p>
+            <a:r>
+              <a:rPr lang="en-GB" dirty="0"/>
+              <a:t>People with persistent </a:t>
+            </a:r>
+            <a:r>
+              <a:rPr lang="en-GB" dirty="0" err="1"/>
+              <a:t>afib</a:t>
+            </a:r>
+            <a:r>
+              <a:rPr lang="en-GB" dirty="0"/>
+              <a:t> may just have rhythms that are too unique</a:t>
+            </a:r>
+          </a:p>
+          <a:p>
+            <a:r>
+              <a:rPr lang="en-GB" dirty="0"/>
+              <a:t>Focus on improving predictive ability of the model moving forward</a:t>
+            </a:r>
+          </a:p>
+          <a:p>
+            <a:r>
+              <a:rPr lang="en-GB" dirty="0"/>
+              <a:t>Optimise on ELBO rather than </a:t>
+            </a:r>
+            <a:r>
+              <a:rPr lang="en-GB" dirty="0" err="1"/>
+              <a:t>mae</a:t>
+            </a:r>
+            <a:r>
+              <a:rPr lang="en-GB" dirty="0"/>
+              <a:t> loss </a:t>
+            </a:r>
+          </a:p>
+          <a:p>
+            <a:r>
+              <a:rPr lang="en-GB" dirty="0"/>
+              <a:t>Look at ways to actually utilise the laten sampling methods </a:t>
+            </a:r>
+          </a:p>
+          <a:p>
+            <a:endParaRPr lang="en-GB" dirty="0"/>
+          </a:p>
+          <a:p>
+            <a:pPr marL="0" indent="0">
+              <a:buNone/>
+            </a:pPr>
+            <a:endParaRPr lang="en-GB" dirty="0"/>
+          </a:p>
+        </p:txBody>
+      </p:sp>
+    </p:spTree>
+    <p:extLst>
+      <p:ext uri="{BB962C8B-B14F-4D97-AF65-F5344CB8AC3E}">
+        <p14:creationId xmlns:p14="http://schemas.microsoft.com/office/powerpoint/2010/main" val="530135933"/>
+      </p:ext>
+    </p:extLst>
+  </p:cSld>
+  <p:clrMapOvr>
+    <a:masterClrMapping/>
+  </p:clrMapOvr>
+</p:sld>
+</file>
+
+<file path=ppt/slides/slide9.xml><?xml version="1.0" encoding="utf-8"?>
+<p:sld xmlns:a="http://schemas.openxmlformats.org/drawingml/2006/main" xmlns:r="http://schemas.openxmlformats.org/officeDocument/2006/relationships" xmlns:p="http://schemas.openxmlformats.org/presentationml/2006/main">
+  <p:cSld>
+    <p:spTree>
+      <p:nvGrpSpPr>
+        <p:cNvPr id="1" name=""/>
+        <p:cNvGrpSpPr/>
+        <p:nvPr/>
+      </p:nvGrpSpPr>
+      <p:grpSpPr>
+        <a:xfrm>
+          <a:off x="0" y="0"/>
+          <a:ext cx="0" cy="0"/>
+          <a:chOff x="0" y="0"/>
+          <a:chExt cx="0" cy="0"/>
+        </a:xfrm>
+      </p:grpSpPr>
+      <p:sp>
+        <p:nvSpPr>
+          <p:cNvPr id="2" name="Title 1">
+            <a:extLst>
+              <a:ext uri="{FF2B5EF4-FFF2-40B4-BE49-F238E27FC236}">
+                <a16:creationId xmlns:a16="http://schemas.microsoft.com/office/drawing/2014/main" id="{3DA4BB07-2636-0FFB-141F-7BEE37F51151}"/>
+              </a:ext>
+            </a:extLst>
+          </p:cNvPr>
+          <p:cNvSpPr>
+            <a:spLocks noGrp="1"/>
+          </p:cNvSpPr>
+          <p:nvPr>
+            <p:ph type="title"/>
+          </p:nvPr>
+        </p:nvSpPr>
+        <p:spPr/>
+        <p:txBody>
+          <a:bodyPr/>
+          <a:lstStyle/>
+          <a:p>
+            <a:endParaRPr lang="en-GB"/>
+          </a:p>
+        </p:txBody>
+      </p:sp>
+      <p:sp>
+        <p:nvSpPr>
+          <p:cNvPr id="3" name="Content Placeholder 2">
+            <a:extLst>
+              <a:ext uri="{FF2B5EF4-FFF2-40B4-BE49-F238E27FC236}">
+                <a16:creationId xmlns:a16="http://schemas.microsoft.com/office/drawing/2014/main" id="{A10D9860-AF35-3659-E2A1-9456833F9DBF}"/>
+              </a:ext>
+            </a:extLst>
+          </p:cNvPr>
+          <p:cNvSpPr>
+            <a:spLocks noGrp="1"/>
+          </p:cNvSpPr>
+          <p:nvPr>
+            <p:ph idx="1"/>
+          </p:nvPr>
+        </p:nvSpPr>
+        <p:spPr/>
+        <p:txBody>
+          <a:bodyPr/>
+          <a:lstStyle/>
+          <a:p>
+            <a:endParaRPr lang="en-GB"/>
+          </a:p>
+        </p:txBody>
+      </p:sp>
+    </p:spTree>
+    <p:extLst>
+      <p:ext uri="{BB962C8B-B14F-4D97-AF65-F5344CB8AC3E}">
+        <p14:creationId xmlns:p14="http://schemas.microsoft.com/office/powerpoint/2010/main" val="3617349508"/>
       </p:ext>
     </p:extLst>
   </p:cSld>
